--- a/Licenta2019BodnarIoanCiprian/Licenta.pptx
+++ b/Licenta2019BodnarIoanCiprian/Licenta.pptx
@@ -20,16 +20,17 @@
     <p:sldId id="265" r:id="rId15"/>
     <p:sldId id="266" r:id="rId16"/>
     <p:sldId id="267" r:id="rId17"/>
+    <p:sldId id="268" r:id="rId18"/>
   </p:sldIdLst>
   <p:sldSz cy="5143500" cx="9144000"/>
   <p:notesSz cx="6858000" cy="9144000"/>
   <p:embeddedFontLst>
     <p:embeddedFont>
       <p:font typeface="Nunito"/>
-      <p:regular r:id="rId18"/>
-      <p:bold r:id="rId19"/>
-      <p:italic r:id="rId20"/>
-      <p:boldItalic r:id="rId21"/>
+      <p:regular r:id="rId19"/>
+      <p:bold r:id="rId20"/>
+      <p:italic r:id="rId21"/>
+      <p:boldItalic r:id="rId22"/>
     </p:embeddedFont>
   </p:embeddedFontLst>
   <p:defaultTextStyle>
@@ -810,7 +811,7 @@
   <p:cSld>
     <p:spTree>
       <p:nvGrpSpPr>
-        <p:cNvPr id="180" name="Shape 180"/>
+        <p:cNvPr id="185" name="Shape 185"/>
         <p:cNvGrpSpPr/>
         <p:nvPr/>
       </p:nvGrpSpPr>
@@ -824,7 +825,7 @@
       </p:grpSpPr>
       <p:sp>
         <p:nvSpPr>
-          <p:cNvPr id="181" name="Google Shape;181;g5c6b97ec76_1_46:notes"/>
+          <p:cNvPr id="186" name="Google Shape;186;g5c6b97ec76_1_41:notes"/>
           <p:cNvSpPr/>
           <p:nvPr>
             <p:ph idx="2" type="sldImg"/>
@@ -859,7 +860,7 @@
       </p:sp>
       <p:sp>
         <p:nvSpPr>
-          <p:cNvPr id="182" name="Google Shape;182;g5c6b97ec76_1_46:notes"/>
+          <p:cNvPr id="187" name="Google Shape;187;g5c6b97ec76_1_41:notes"/>
           <p:cNvSpPr txBox="1"/>
           <p:nvPr>
             <p:ph idx="1" type="body"/>
@@ -909,7 +910,7 @@
   <p:cSld>
     <p:spTree>
       <p:nvGrpSpPr>
-        <p:cNvPr id="186" name="Shape 186"/>
+        <p:cNvPr id="192" name="Shape 192"/>
         <p:cNvGrpSpPr/>
         <p:nvPr/>
       </p:nvGrpSpPr>
@@ -923,7 +924,7 @@
       </p:grpSpPr>
       <p:sp>
         <p:nvSpPr>
-          <p:cNvPr id="187" name="Google Shape;187;g5c6b97ec76_1_31:notes"/>
+          <p:cNvPr id="193" name="Google Shape;193;g5c6b97ec76_1_46:notes"/>
           <p:cNvSpPr/>
           <p:nvPr>
             <p:ph idx="2" type="sldImg"/>
@@ -958,7 +959,7 @@
       </p:sp>
       <p:sp>
         <p:nvSpPr>
-          <p:cNvPr id="188" name="Google Shape;188;g5c6b97ec76_1_31:notes"/>
+          <p:cNvPr id="194" name="Google Shape;194;g5c6b97ec76_1_46:notes"/>
           <p:cNvSpPr txBox="1"/>
           <p:nvPr>
             <p:ph idx="1" type="body"/>
@@ -1008,7 +1009,7 @@
   <p:cSld>
     <p:spTree>
       <p:nvGrpSpPr>
-        <p:cNvPr id="193" name="Shape 193"/>
+        <p:cNvPr id="199" name="Shape 199"/>
         <p:cNvGrpSpPr/>
         <p:nvPr/>
       </p:nvGrpSpPr>
@@ -1022,7 +1023,7 @@
       </p:grpSpPr>
       <p:sp>
         <p:nvSpPr>
-          <p:cNvPr id="194" name="Google Shape;194;g5c6b97ec76_1_36:notes"/>
+          <p:cNvPr id="200" name="Google Shape;200;g5c6b97ec76_1_31:notes"/>
           <p:cNvSpPr/>
           <p:nvPr>
             <p:ph idx="2" type="sldImg"/>
@@ -1057,7 +1058,7 @@
       </p:sp>
       <p:sp>
         <p:nvSpPr>
-          <p:cNvPr id="195" name="Google Shape;195;g5c6b97ec76_1_36:notes"/>
+          <p:cNvPr id="201" name="Google Shape;201;g5c6b97ec76_1_31:notes"/>
           <p:cNvSpPr txBox="1"/>
           <p:nvPr>
             <p:ph idx="1" type="body"/>
@@ -1102,12 +1103,12 @@
 </p:notes>
 </file>
 
-<file path=ppt/notesSlides/notesSlide2.xml><?xml version="1.0" encoding="utf-8"?>
+<file path=ppt/notesSlides/notesSlide13.xml><?xml version="1.0" encoding="utf-8"?>
 <p:notes xmlns:a="http://schemas.openxmlformats.org/drawingml/2006/main" xmlns:r="http://schemas.openxmlformats.org/officeDocument/2006/relationships" xmlns:mc="http://schemas.openxmlformats.org/markup-compatibility/2006" xmlns:mv="urn:schemas-microsoft-com:mac:vml" xmlns:p="http://schemas.openxmlformats.org/presentationml/2006/main" xmlns:c="http://schemas.openxmlformats.org/drawingml/2006/chart" xmlns:dgm="http://schemas.openxmlformats.org/drawingml/2006/diagram" xmlns:o="urn:schemas-microsoft-com:office:office" xmlns:v="urn:schemas-microsoft-com:vml" xmlns:pvml="urn:schemas-microsoft-com:office:powerpoint" xmlns:com="http://schemas.openxmlformats.org/drawingml/2006/compatibility" xmlns:p14="http://schemas.microsoft.com/office/powerpoint/2010/main" xmlns:p15="http://schemas.microsoft.com/office/powerpoint/2012/main" showMasterPhAnim="0" showMasterSp="0">
   <p:cSld>
     <p:spTree>
       <p:nvGrpSpPr>
-        <p:cNvPr id="130" name="Shape 130"/>
+        <p:cNvPr id="206" name="Shape 206"/>
         <p:cNvGrpSpPr/>
         <p:nvPr/>
       </p:nvGrpSpPr>
@@ -1121,7 +1122,7 @@
       </p:grpSpPr>
       <p:sp>
         <p:nvSpPr>
-          <p:cNvPr id="131" name="Google Shape;131;g5c6b97da56_0_430:notes"/>
+          <p:cNvPr id="207" name="Google Shape;207;g5c6b97ec76_1_36:notes"/>
           <p:cNvSpPr/>
           <p:nvPr>
             <p:ph idx="2" type="sldImg"/>
@@ -1156,7 +1157,7 @@
       </p:sp>
       <p:sp>
         <p:nvSpPr>
-          <p:cNvPr id="132" name="Google Shape;132;g5c6b97da56_0_430:notes"/>
+          <p:cNvPr id="208" name="Google Shape;208;g5c6b97ec76_1_36:notes"/>
           <p:cNvSpPr txBox="1"/>
           <p:nvPr>
             <p:ph idx="1" type="body"/>
@@ -1201,12 +1202,12 @@
 </p:notes>
 </file>
 
-<file path=ppt/notesSlides/notesSlide3.xml><?xml version="1.0" encoding="utf-8"?>
+<file path=ppt/notesSlides/notesSlide2.xml><?xml version="1.0" encoding="utf-8"?>
 <p:notes xmlns:a="http://schemas.openxmlformats.org/drawingml/2006/main" xmlns:r="http://schemas.openxmlformats.org/officeDocument/2006/relationships" xmlns:mc="http://schemas.openxmlformats.org/markup-compatibility/2006" xmlns:mv="urn:schemas-microsoft-com:mac:vml" xmlns:p="http://schemas.openxmlformats.org/presentationml/2006/main" xmlns:c="http://schemas.openxmlformats.org/drawingml/2006/chart" xmlns:dgm="http://schemas.openxmlformats.org/drawingml/2006/diagram" xmlns:o="urn:schemas-microsoft-com:office:office" xmlns:v="urn:schemas-microsoft-com:vml" xmlns:pvml="urn:schemas-microsoft-com:office:powerpoint" xmlns:com="http://schemas.openxmlformats.org/drawingml/2006/compatibility" xmlns:p14="http://schemas.microsoft.com/office/powerpoint/2010/main" xmlns:p15="http://schemas.microsoft.com/office/powerpoint/2012/main" showMasterPhAnim="0" showMasterSp="0">
   <p:cSld>
     <p:spTree>
       <p:nvGrpSpPr>
-        <p:cNvPr id="137" name="Shape 137"/>
+        <p:cNvPr id="133" name="Shape 133"/>
         <p:cNvGrpSpPr/>
         <p:nvPr/>
       </p:nvGrpSpPr>
@@ -1220,7 +1221,7 @@
       </p:grpSpPr>
       <p:sp>
         <p:nvSpPr>
-          <p:cNvPr id="138" name="Google Shape;138;g5c75436138_0_0:notes"/>
+          <p:cNvPr id="134" name="Google Shape;134;g5c6b97da56_0_430:notes"/>
           <p:cNvSpPr/>
           <p:nvPr>
             <p:ph idx="2" type="sldImg"/>
@@ -1255,7 +1256,7 @@
       </p:sp>
       <p:sp>
         <p:nvSpPr>
-          <p:cNvPr id="139" name="Google Shape;139;g5c75436138_0_0:notes"/>
+          <p:cNvPr id="135" name="Google Shape;135;g5c6b97da56_0_430:notes"/>
           <p:cNvSpPr txBox="1"/>
           <p:nvPr>
             <p:ph idx="1" type="body"/>
@@ -1300,12 +1301,12 @@
 </p:notes>
 </file>
 
-<file path=ppt/notesSlides/notesSlide4.xml><?xml version="1.0" encoding="utf-8"?>
+<file path=ppt/notesSlides/notesSlide3.xml><?xml version="1.0" encoding="utf-8"?>
 <p:notes xmlns:a="http://schemas.openxmlformats.org/drawingml/2006/main" xmlns:r="http://schemas.openxmlformats.org/officeDocument/2006/relationships" xmlns:mc="http://schemas.openxmlformats.org/markup-compatibility/2006" xmlns:mv="urn:schemas-microsoft-com:mac:vml" xmlns:p="http://schemas.openxmlformats.org/presentationml/2006/main" xmlns:c="http://schemas.openxmlformats.org/drawingml/2006/chart" xmlns:dgm="http://schemas.openxmlformats.org/drawingml/2006/diagram" xmlns:o="urn:schemas-microsoft-com:office:office" xmlns:v="urn:schemas-microsoft-com:vml" xmlns:pvml="urn:schemas-microsoft-com:office:powerpoint" xmlns:com="http://schemas.openxmlformats.org/drawingml/2006/compatibility" xmlns:p14="http://schemas.microsoft.com/office/powerpoint/2010/main" xmlns:p15="http://schemas.microsoft.com/office/powerpoint/2012/main" showMasterPhAnim="0" showMasterSp="0">
   <p:cSld>
     <p:spTree>
       <p:nvGrpSpPr>
-        <p:cNvPr id="143" name="Shape 143"/>
+        <p:cNvPr id="140" name="Shape 140"/>
         <p:cNvGrpSpPr/>
         <p:nvPr/>
       </p:nvGrpSpPr>
@@ -1319,7 +1320,7 @@
       </p:grpSpPr>
       <p:sp>
         <p:nvSpPr>
-          <p:cNvPr id="144" name="Google Shape;144;g5c6b97ec76_1_5:notes"/>
+          <p:cNvPr id="141" name="Google Shape;141;g5c75436138_0_0:notes"/>
           <p:cNvSpPr/>
           <p:nvPr>
             <p:ph idx="2" type="sldImg"/>
@@ -1354,7 +1355,7 @@
       </p:sp>
       <p:sp>
         <p:nvSpPr>
-          <p:cNvPr id="145" name="Google Shape;145;g5c6b97ec76_1_5:notes"/>
+          <p:cNvPr id="142" name="Google Shape;142;g5c75436138_0_0:notes"/>
           <p:cNvSpPr txBox="1"/>
           <p:nvPr>
             <p:ph idx="1" type="body"/>
@@ -1399,12 +1400,12 @@
 </p:notes>
 </file>
 
-<file path=ppt/notesSlides/notesSlide5.xml><?xml version="1.0" encoding="utf-8"?>
+<file path=ppt/notesSlides/notesSlide4.xml><?xml version="1.0" encoding="utf-8"?>
 <p:notes xmlns:a="http://schemas.openxmlformats.org/drawingml/2006/main" xmlns:r="http://schemas.openxmlformats.org/officeDocument/2006/relationships" xmlns:mc="http://schemas.openxmlformats.org/markup-compatibility/2006" xmlns:mv="urn:schemas-microsoft-com:mac:vml" xmlns:p="http://schemas.openxmlformats.org/presentationml/2006/main" xmlns:c="http://schemas.openxmlformats.org/drawingml/2006/chart" xmlns:dgm="http://schemas.openxmlformats.org/drawingml/2006/diagram" xmlns:o="urn:schemas-microsoft-com:office:office" xmlns:v="urn:schemas-microsoft-com:vml" xmlns:pvml="urn:schemas-microsoft-com:office:powerpoint" xmlns:com="http://schemas.openxmlformats.org/drawingml/2006/compatibility" xmlns:p14="http://schemas.microsoft.com/office/powerpoint/2010/main" xmlns:p15="http://schemas.microsoft.com/office/powerpoint/2012/main" showMasterPhAnim="0" showMasterSp="0">
   <p:cSld>
     <p:spTree>
       <p:nvGrpSpPr>
-        <p:cNvPr id="150" name="Shape 150"/>
+        <p:cNvPr id="146" name="Shape 146"/>
         <p:cNvGrpSpPr/>
         <p:nvPr/>
       </p:nvGrpSpPr>
@@ -1418,7 +1419,7 @@
       </p:grpSpPr>
       <p:sp>
         <p:nvSpPr>
-          <p:cNvPr id="151" name="Google Shape;151;g5c6b97ec76_1_16:notes"/>
+          <p:cNvPr id="147" name="Google Shape;147;g5c6b97ec76_1_5:notes"/>
           <p:cNvSpPr/>
           <p:nvPr>
             <p:ph idx="2" type="sldImg"/>
@@ -1453,7 +1454,7 @@
       </p:sp>
       <p:sp>
         <p:nvSpPr>
-          <p:cNvPr id="152" name="Google Shape;152;g5c6b97ec76_1_16:notes"/>
+          <p:cNvPr id="148" name="Google Shape;148;g5c6b97ec76_1_5:notes"/>
           <p:cNvSpPr txBox="1"/>
           <p:nvPr>
             <p:ph idx="1" type="body"/>
@@ -1498,12 +1499,12 @@
 </p:notes>
 </file>
 
-<file path=ppt/notesSlides/notesSlide6.xml><?xml version="1.0" encoding="utf-8"?>
+<file path=ppt/notesSlides/notesSlide5.xml><?xml version="1.0" encoding="utf-8"?>
 <p:notes xmlns:a="http://schemas.openxmlformats.org/drawingml/2006/main" xmlns:r="http://schemas.openxmlformats.org/officeDocument/2006/relationships" xmlns:mc="http://schemas.openxmlformats.org/markup-compatibility/2006" xmlns:mv="urn:schemas-microsoft-com:mac:vml" xmlns:p="http://schemas.openxmlformats.org/presentationml/2006/main" xmlns:c="http://schemas.openxmlformats.org/drawingml/2006/chart" xmlns:dgm="http://schemas.openxmlformats.org/drawingml/2006/diagram" xmlns:o="urn:schemas-microsoft-com:office:office" xmlns:v="urn:schemas-microsoft-com:vml" xmlns:pvml="urn:schemas-microsoft-com:office:powerpoint" xmlns:com="http://schemas.openxmlformats.org/drawingml/2006/compatibility" xmlns:p14="http://schemas.microsoft.com/office/powerpoint/2010/main" xmlns:p15="http://schemas.microsoft.com/office/powerpoint/2012/main" showMasterPhAnim="0" showMasterSp="0">
   <p:cSld>
     <p:spTree>
       <p:nvGrpSpPr>
-        <p:cNvPr id="156" name="Shape 156"/>
+        <p:cNvPr id="153" name="Shape 153"/>
         <p:cNvGrpSpPr/>
         <p:nvPr/>
       </p:nvGrpSpPr>
@@ -1517,7 +1518,7 @@
       </p:grpSpPr>
       <p:sp>
         <p:nvSpPr>
-          <p:cNvPr id="157" name="Google Shape;157;g5c6b97ec76_1_11:notes"/>
+          <p:cNvPr id="154" name="Google Shape;154;g5c6b97ec76_1_16:notes"/>
           <p:cNvSpPr/>
           <p:nvPr>
             <p:ph idx="2" type="sldImg"/>
@@ -1552,7 +1553,7 @@
       </p:sp>
       <p:sp>
         <p:nvSpPr>
-          <p:cNvPr id="158" name="Google Shape;158;g5c6b97ec76_1_11:notes"/>
+          <p:cNvPr id="155" name="Google Shape;155;g5c6b97ec76_1_16:notes"/>
           <p:cNvSpPr txBox="1"/>
           <p:nvPr>
             <p:ph idx="1" type="body"/>
@@ -1597,12 +1598,12 @@
 </p:notes>
 </file>
 
-<file path=ppt/notesSlides/notesSlide7.xml><?xml version="1.0" encoding="utf-8"?>
+<file path=ppt/notesSlides/notesSlide6.xml><?xml version="1.0" encoding="utf-8"?>
 <p:notes xmlns:a="http://schemas.openxmlformats.org/drawingml/2006/main" xmlns:r="http://schemas.openxmlformats.org/officeDocument/2006/relationships" xmlns:mc="http://schemas.openxmlformats.org/markup-compatibility/2006" xmlns:mv="urn:schemas-microsoft-com:mac:vml" xmlns:p="http://schemas.openxmlformats.org/presentationml/2006/main" xmlns:c="http://schemas.openxmlformats.org/drawingml/2006/chart" xmlns:dgm="http://schemas.openxmlformats.org/drawingml/2006/diagram" xmlns:o="urn:schemas-microsoft-com:office:office" xmlns:v="urn:schemas-microsoft-com:vml" xmlns:pvml="urn:schemas-microsoft-com:office:powerpoint" xmlns:com="http://schemas.openxmlformats.org/drawingml/2006/compatibility" xmlns:p14="http://schemas.microsoft.com/office/powerpoint/2010/main" xmlns:p15="http://schemas.microsoft.com/office/powerpoint/2012/main" showMasterPhAnim="0" showMasterSp="0">
   <p:cSld>
     <p:spTree>
       <p:nvGrpSpPr>
-        <p:cNvPr id="162" name="Shape 162"/>
+        <p:cNvPr id="159" name="Shape 159"/>
         <p:cNvGrpSpPr/>
         <p:nvPr/>
       </p:nvGrpSpPr>
@@ -1616,7 +1617,7 @@
       </p:grpSpPr>
       <p:sp>
         <p:nvSpPr>
-          <p:cNvPr id="163" name="Google Shape;163;g5c6b97ec76_1_21:notes"/>
+          <p:cNvPr id="160" name="Google Shape;160;g5c6b97ec76_1_11:notes"/>
           <p:cNvSpPr/>
           <p:nvPr>
             <p:ph idx="2" type="sldImg"/>
@@ -1651,7 +1652,7 @@
       </p:sp>
       <p:sp>
         <p:nvSpPr>
-          <p:cNvPr id="164" name="Google Shape;164;g5c6b97ec76_1_21:notes"/>
+          <p:cNvPr id="161" name="Google Shape;161;g5c6b97ec76_1_11:notes"/>
           <p:cNvSpPr txBox="1"/>
           <p:nvPr>
             <p:ph idx="1" type="body"/>
@@ -1696,12 +1697,12 @@
 </p:notes>
 </file>
 
-<file path=ppt/notesSlides/notesSlide8.xml><?xml version="1.0" encoding="utf-8"?>
+<file path=ppt/notesSlides/notesSlide7.xml><?xml version="1.0" encoding="utf-8"?>
 <p:notes xmlns:a="http://schemas.openxmlformats.org/drawingml/2006/main" xmlns:r="http://schemas.openxmlformats.org/officeDocument/2006/relationships" xmlns:mc="http://schemas.openxmlformats.org/markup-compatibility/2006" xmlns:mv="urn:schemas-microsoft-com:mac:vml" xmlns:p="http://schemas.openxmlformats.org/presentationml/2006/main" xmlns:c="http://schemas.openxmlformats.org/drawingml/2006/chart" xmlns:dgm="http://schemas.openxmlformats.org/drawingml/2006/diagram" xmlns:o="urn:schemas-microsoft-com:office:office" xmlns:v="urn:schemas-microsoft-com:vml" xmlns:pvml="urn:schemas-microsoft-com:office:powerpoint" xmlns:com="http://schemas.openxmlformats.org/drawingml/2006/compatibility" xmlns:p14="http://schemas.microsoft.com/office/powerpoint/2010/main" xmlns:p15="http://schemas.microsoft.com/office/powerpoint/2012/main" showMasterPhAnim="0" showMasterSp="0">
   <p:cSld>
     <p:spTree>
       <p:nvGrpSpPr>
-        <p:cNvPr id="168" name="Shape 168"/>
+        <p:cNvPr id="167" name="Shape 167"/>
         <p:cNvGrpSpPr/>
         <p:nvPr/>
       </p:nvGrpSpPr>
@@ -1715,7 +1716,7 @@
       </p:grpSpPr>
       <p:sp>
         <p:nvSpPr>
-          <p:cNvPr id="169" name="Google Shape;169;g5c6b97ec76_1_26:notes"/>
+          <p:cNvPr id="168" name="Google Shape;168;g5c75436138_0_14:notes"/>
           <p:cNvSpPr/>
           <p:nvPr>
             <p:ph idx="2" type="sldImg"/>
@@ -1750,7 +1751,7 @@
       </p:sp>
       <p:sp>
         <p:nvSpPr>
-          <p:cNvPr id="170" name="Google Shape;170;g5c6b97ec76_1_26:notes"/>
+          <p:cNvPr id="169" name="Google Shape;169;g5c75436138_0_14:notes"/>
           <p:cNvSpPr txBox="1"/>
           <p:nvPr>
             <p:ph idx="1" type="body"/>
@@ -1795,12 +1796,12 @@
 </p:notes>
 </file>
 
-<file path=ppt/notesSlides/notesSlide9.xml><?xml version="1.0" encoding="utf-8"?>
+<file path=ppt/notesSlides/notesSlide8.xml><?xml version="1.0" encoding="utf-8"?>
 <p:notes xmlns:a="http://schemas.openxmlformats.org/drawingml/2006/main" xmlns:r="http://schemas.openxmlformats.org/officeDocument/2006/relationships" xmlns:mc="http://schemas.openxmlformats.org/markup-compatibility/2006" xmlns:mv="urn:schemas-microsoft-com:mac:vml" xmlns:p="http://schemas.openxmlformats.org/presentationml/2006/main" xmlns:c="http://schemas.openxmlformats.org/drawingml/2006/chart" xmlns:dgm="http://schemas.openxmlformats.org/drawingml/2006/diagram" xmlns:o="urn:schemas-microsoft-com:office:office" xmlns:v="urn:schemas-microsoft-com:vml" xmlns:pvml="urn:schemas-microsoft-com:office:powerpoint" xmlns:com="http://schemas.openxmlformats.org/drawingml/2006/compatibility" xmlns:p14="http://schemas.microsoft.com/office/powerpoint/2010/main" xmlns:p15="http://schemas.microsoft.com/office/powerpoint/2012/main" showMasterPhAnim="0" showMasterSp="0">
   <p:cSld>
     <p:spTree>
       <p:nvGrpSpPr>
-        <p:cNvPr id="174" name="Shape 174"/>
+        <p:cNvPr id="173" name="Shape 173"/>
         <p:cNvGrpSpPr/>
         <p:nvPr/>
       </p:nvGrpSpPr>
@@ -1814,7 +1815,7 @@
       </p:grpSpPr>
       <p:sp>
         <p:nvSpPr>
-          <p:cNvPr id="175" name="Google Shape;175;g5c6b97ec76_1_41:notes"/>
+          <p:cNvPr id="174" name="Google Shape;174;g5c6b97ec76_1_21:notes"/>
           <p:cNvSpPr/>
           <p:nvPr>
             <p:ph idx="2" type="sldImg"/>
@@ -1849,7 +1850,106 @@
       </p:sp>
       <p:sp>
         <p:nvSpPr>
-          <p:cNvPr id="176" name="Google Shape;176;g5c6b97ec76_1_41:notes"/>
+          <p:cNvPr id="175" name="Google Shape;175;g5c6b97ec76_1_21:notes"/>
+          <p:cNvSpPr txBox="1"/>
+          <p:nvPr>
+            <p:ph idx="1" type="body"/>
+          </p:nvPr>
+        </p:nvSpPr>
+        <p:spPr>
+          <a:xfrm>
+            <a:off x="685800" y="4343400"/>
+            <a:ext cx="5486400" cy="4114800"/>
+          </a:xfrm>
+          <a:prstGeom prst="rect">
+            <a:avLst/>
+          </a:prstGeom>
+        </p:spPr>
+        <p:txBody>
+          <a:bodyPr anchorCtr="0" anchor="t" bIns="91425" lIns="91425" spcFirstLastPara="1" rIns="91425" wrap="square" tIns="91425">
+            <a:noAutofit/>
+          </a:bodyPr>
+          <a:lstStyle/>
+          <a:p>
+            <a:pPr indent="0" lvl="0" marL="0" rtl="0" algn="l">
+              <a:spcBef>
+                <a:spcPts val="0"/>
+              </a:spcBef>
+              <a:spcAft>
+                <a:spcPts val="0"/>
+              </a:spcAft>
+              <a:buNone/>
+            </a:pPr>
+            <a:r>
+              <a:t/>
+            </a:r>
+            <a:endParaRPr/>
+          </a:p>
+        </p:txBody>
+      </p:sp>
+    </p:spTree>
+  </p:cSld>
+  <p:clrMapOvr>
+    <a:masterClrMapping/>
+  </p:clrMapOvr>
+</p:notes>
+</file>
+
+<file path=ppt/notesSlides/notesSlide9.xml><?xml version="1.0" encoding="utf-8"?>
+<p:notes xmlns:a="http://schemas.openxmlformats.org/drawingml/2006/main" xmlns:r="http://schemas.openxmlformats.org/officeDocument/2006/relationships" xmlns:mc="http://schemas.openxmlformats.org/markup-compatibility/2006" xmlns:mv="urn:schemas-microsoft-com:mac:vml" xmlns:p="http://schemas.openxmlformats.org/presentationml/2006/main" xmlns:c="http://schemas.openxmlformats.org/drawingml/2006/chart" xmlns:dgm="http://schemas.openxmlformats.org/drawingml/2006/diagram" xmlns:o="urn:schemas-microsoft-com:office:office" xmlns:v="urn:schemas-microsoft-com:vml" xmlns:pvml="urn:schemas-microsoft-com:office:powerpoint" xmlns:com="http://schemas.openxmlformats.org/drawingml/2006/compatibility" xmlns:p14="http://schemas.microsoft.com/office/powerpoint/2010/main" xmlns:p15="http://schemas.microsoft.com/office/powerpoint/2012/main" showMasterPhAnim="0" showMasterSp="0">
+  <p:cSld>
+    <p:spTree>
+      <p:nvGrpSpPr>
+        <p:cNvPr id="179" name="Shape 179"/>
+        <p:cNvGrpSpPr/>
+        <p:nvPr/>
+      </p:nvGrpSpPr>
+      <p:grpSpPr>
+        <a:xfrm>
+          <a:off x="0" y="0"/>
+          <a:ext cx="0" cy="0"/>
+          <a:chOff x="0" y="0"/>
+          <a:chExt cx="0" cy="0"/>
+        </a:xfrm>
+      </p:grpSpPr>
+      <p:sp>
+        <p:nvSpPr>
+          <p:cNvPr id="180" name="Google Shape;180;g5c6b97ec76_1_26:notes"/>
+          <p:cNvSpPr/>
+          <p:nvPr>
+            <p:ph idx="2" type="sldImg"/>
+          </p:nvPr>
+        </p:nvSpPr>
+        <p:spPr>
+          <a:xfrm>
+            <a:off x="381300" y="685800"/>
+            <a:ext cx="6096000" cy="3429000"/>
+          </a:xfrm>
+          <a:custGeom>
+            <a:rect b="b" l="l" r="r" t="t"/>
+            <a:pathLst>
+              <a:path extrusionOk="0" h="120000" w="120000">
+                <a:moveTo>
+                  <a:pt x="0" y="0"/>
+                </a:moveTo>
+                <a:lnTo>
+                  <a:pt x="120000" y="0"/>
+                </a:lnTo>
+                <a:lnTo>
+                  <a:pt x="120000" y="120000"/>
+                </a:lnTo>
+                <a:lnTo>
+                  <a:pt x="0" y="120000"/>
+                </a:lnTo>
+                <a:close/>
+              </a:path>
+            </a:pathLst>
+          </a:custGeom>
+        </p:spPr>
+      </p:sp>
+      <p:sp>
+        <p:nvSpPr>
+          <p:cNvPr id="181" name="Google Shape;181;g5c6b97ec76_1_26:notes"/>
           <p:cNvSpPr txBox="1"/>
           <p:nvPr>
             <p:ph idx="1" type="body"/>
@@ -10016,7 +10116,7 @@
             </a:pPr>
             <a:r>
               <a:rPr lang="ro"/>
-              <a:t>Sistem software pentru gestiunea punctajelor</a:t>
+              <a:t>Sistem de control al punctajelor</a:t>
             </a:r>
             <a:endParaRPr/>
           </a:p>
@@ -10032,8 +10132,8 @@
         </p:nvSpPr>
         <p:spPr>
           <a:xfrm>
-            <a:off x="1858700" y="3413158"/>
-            <a:ext cx="5361300" cy="522600"/>
+            <a:off x="1891350" y="416072"/>
+            <a:ext cx="5361300" cy="720900"/>
           </a:xfrm>
           <a:prstGeom prst="rect">
             <a:avLst/>
@@ -10055,7 +10155,178 @@
               <a:buNone/>
             </a:pPr>
             <a:r>
+              <a:rPr lang="ro"/>
+              <a:t>Universitatea “Alexandru Ioan Cuza” Iași</a:t>
+            </a:r>
+            <a:endParaRPr/>
+          </a:p>
+          <a:p>
+            <a:pPr indent="0" lvl="0" marL="0" rtl="0" algn="ctr">
+              <a:spcBef>
+                <a:spcPts val="0"/>
+              </a:spcBef>
+              <a:spcAft>
+                <a:spcPts val="0"/>
+              </a:spcAft>
+              <a:buNone/>
+            </a:pPr>
+            <a:r>
+              <a:rPr lang="ro"/>
+              <a:t>Facultatea de informatică</a:t>
+            </a:r>
+            <a:endParaRPr/>
+          </a:p>
+        </p:txBody>
+      </p:sp>
+      <p:sp>
+        <p:nvSpPr>
+          <p:cNvPr id="130" name="Google Shape;130;p13"/>
+          <p:cNvSpPr txBox="1"/>
+          <p:nvPr/>
+        </p:nvSpPr>
+        <p:spPr>
+          <a:xfrm>
+            <a:off x="4364225" y="4199550"/>
+            <a:ext cx="4872900" cy="568500"/>
+          </a:xfrm>
+          <a:prstGeom prst="rect">
+            <a:avLst/>
+          </a:prstGeom>
+          <a:noFill/>
+          <a:ln>
+            <a:noFill/>
+          </a:ln>
+        </p:spPr>
+        <p:txBody>
+          <a:bodyPr anchorCtr="0" anchor="t" bIns="91425" lIns="91425" spcFirstLastPara="1" rIns="91425" wrap="square" tIns="91425">
+            <a:noAutofit/>
+          </a:bodyPr>
+          <a:lstStyle/>
+          <a:p>
+            <a:pPr indent="0" lvl="0" marL="0" rtl="0" algn="l">
+              <a:spcBef>
+                <a:spcPts val="0"/>
+              </a:spcBef>
+              <a:spcAft>
+                <a:spcPts val="0"/>
+              </a:spcAft>
+              <a:buNone/>
+            </a:pPr>
+            <a:r>
               <a:t/>
+            </a:r>
+            <a:endParaRPr>
+              <a:latin typeface="Calibri"/>
+              <a:ea typeface="Calibri"/>
+              <a:cs typeface="Calibri"/>
+              <a:sym typeface="Calibri"/>
+            </a:endParaRPr>
+          </a:p>
+        </p:txBody>
+      </p:sp>
+      <p:sp>
+        <p:nvSpPr>
+          <p:cNvPr id="131" name="Google Shape;131;p13"/>
+          <p:cNvSpPr txBox="1"/>
+          <p:nvPr/>
+        </p:nvSpPr>
+        <p:spPr>
+          <a:xfrm>
+            <a:off x="6394550" y="4056600"/>
+            <a:ext cx="2411100" cy="854400"/>
+          </a:xfrm>
+          <a:prstGeom prst="rect">
+            <a:avLst/>
+          </a:prstGeom>
+          <a:noFill/>
+          <a:ln>
+            <a:noFill/>
+          </a:ln>
+        </p:spPr>
+        <p:txBody>
+          <a:bodyPr anchorCtr="0" anchor="t" bIns="91425" lIns="91425" spcFirstLastPara="1" rIns="91425" wrap="square" tIns="91425">
+            <a:noAutofit/>
+          </a:bodyPr>
+          <a:lstStyle/>
+          <a:p>
+            <a:pPr indent="0" lvl="0" marL="0" rtl="0" algn="ctr">
+              <a:spcBef>
+                <a:spcPts val="0"/>
+              </a:spcBef>
+              <a:spcAft>
+                <a:spcPts val="0"/>
+              </a:spcAft>
+              <a:buNone/>
+            </a:pPr>
+            <a:r>
+              <a:rPr lang="ro" sz="1600">
+                <a:solidFill>
+                  <a:schemeClr val="lt1"/>
+                </a:solidFill>
+                <a:latin typeface="Calibri"/>
+                <a:ea typeface="Calibri"/>
+                <a:cs typeface="Calibri"/>
+                <a:sym typeface="Calibri"/>
+              </a:rPr>
+              <a:t>Coordonator științific Lect. Dr. Cristian Frăsinaru</a:t>
+            </a:r>
+            <a:endParaRPr sz="1600">
+              <a:solidFill>
+                <a:schemeClr val="lt1"/>
+              </a:solidFill>
+              <a:latin typeface="Calibri"/>
+              <a:ea typeface="Calibri"/>
+              <a:cs typeface="Calibri"/>
+              <a:sym typeface="Calibri"/>
+            </a:endParaRPr>
+          </a:p>
+        </p:txBody>
+      </p:sp>
+      <p:sp>
+        <p:nvSpPr>
+          <p:cNvPr id="132" name="Google Shape;132;p13"/>
+          <p:cNvSpPr txBox="1"/>
+          <p:nvPr/>
+        </p:nvSpPr>
+        <p:spPr>
+          <a:xfrm>
+            <a:off x="3029700" y="4237188"/>
+            <a:ext cx="2595000" cy="493200"/>
+          </a:xfrm>
+          <a:prstGeom prst="rect">
+            <a:avLst/>
+          </a:prstGeom>
+          <a:noFill/>
+          <a:ln>
+            <a:noFill/>
+          </a:ln>
+        </p:spPr>
+        <p:txBody>
+          <a:bodyPr anchorCtr="0" anchor="t" bIns="91425" lIns="91425" spcFirstLastPara="1" rIns="91425" wrap="square" tIns="91425">
+            <a:noAutofit/>
+          </a:bodyPr>
+          <a:lstStyle/>
+          <a:p>
+            <a:pPr indent="0" lvl="0" marL="0" rtl="0" algn="ctr">
+              <a:spcBef>
+                <a:spcPts val="0"/>
+              </a:spcBef>
+              <a:spcAft>
+                <a:spcPts val="0"/>
+              </a:spcAft>
+              <a:buNone/>
+            </a:pPr>
+            <a:r>
+              <a:rPr lang="ro" sz="1600">
+                <a:solidFill>
+                  <a:schemeClr val="lt1"/>
+                </a:solidFill>
+                <a:latin typeface="Calibri"/>
+                <a:ea typeface="Calibri"/>
+                <a:cs typeface="Calibri"/>
+                <a:sym typeface="Calibri"/>
+              </a:rPr>
+              <a:t>Bodnar Ioan-Ciprian</a:t>
             </a:r>
             <a:endParaRPr/>
           </a:p>
@@ -10074,7 +10345,7 @@
   <p:cSld>
     <p:spTree>
       <p:nvGrpSpPr>
-        <p:cNvPr id="183" name="Shape 183"/>
+        <p:cNvPr id="188" name="Shape 188"/>
         <p:cNvGrpSpPr/>
         <p:nvPr/>
       </p:nvGrpSpPr>
@@ -10088,7 +10359,7 @@
       </p:grpSpPr>
       <p:sp>
         <p:nvSpPr>
-          <p:cNvPr id="184" name="Google Shape;184;p22"/>
+          <p:cNvPr id="189" name="Google Shape;189;p22"/>
           <p:cNvSpPr txBox="1"/>
           <p:nvPr>
             <p:ph type="title"/>
@@ -10120,28 +10391,58 @@
             </a:pPr>
             <a:r>
               <a:rPr lang="ro"/>
-              <a:t>Google Vision</a:t>
+              <a:t>Antrenarea datelor</a:t>
             </a:r>
             <a:endParaRPr/>
           </a:p>
         </p:txBody>
       </p:sp>
+      <p:pic>
+        <p:nvPicPr>
+          <p:cNvPr id="190" name="Google Shape;190;p22"/>
+          <p:cNvPicPr preferRelativeResize="0"/>
+          <p:nvPr/>
+        </p:nvPicPr>
+        <p:blipFill>
+          <a:blip r:embed="rId3">
+            <a:alphaModFix/>
+          </a:blip>
+          <a:stretch>
+            <a:fillRect/>
+          </a:stretch>
+        </p:blipFill>
+        <p:spPr>
+          <a:xfrm>
+            <a:off x="4935425" y="1375725"/>
+            <a:ext cx="3389425" cy="3177575"/>
+          </a:xfrm>
+          <a:prstGeom prst="rect">
+            <a:avLst/>
+          </a:prstGeom>
+          <a:noFill/>
+          <a:ln>
+            <a:noFill/>
+          </a:ln>
+        </p:spPr>
+      </p:pic>
       <p:sp>
         <p:nvSpPr>
-          <p:cNvPr id="185" name="Google Shape;185;p22"/>
+          <p:cNvPr id="191" name="Google Shape;191;p22"/>
           <p:cNvSpPr txBox="1"/>
-          <p:nvPr>
-            <p:ph idx="1" type="body"/>
-          </p:nvPr>
+          <p:nvPr/>
         </p:nvSpPr>
         <p:spPr>
           <a:xfrm>
-            <a:off x="819150" y="1990725"/>
-            <a:ext cx="7505700" cy="2448000"/>
+            <a:off x="573700" y="1651850"/>
+            <a:ext cx="4361700" cy="2957400"/>
           </a:xfrm>
           <a:prstGeom prst="rect">
             <a:avLst/>
           </a:prstGeom>
+          <a:noFill/>
+          <a:ln>
+            <a:noFill/>
+          </a:ln>
         </p:spPr>
         <p:txBody>
           <a:bodyPr anchorCtr="0" anchor="t" bIns="91425" lIns="91425" spcFirstLastPara="1" rIns="91425" wrap="square" tIns="91425">
@@ -10149,19 +10450,128 @@
           </a:bodyPr>
           <a:lstStyle/>
           <a:p>
-            <a:pPr indent="0" lvl="0" marL="0" rtl="0" algn="l">
-              <a:spcBef>
-                <a:spcPts val="0"/>
-              </a:spcBef>
-              <a:spcAft>
-                <a:spcPts val="1600"/>
+            <a:pPr indent="-317500" lvl="0" marL="457200" rtl="0" algn="l">
+              <a:spcBef>
+                <a:spcPts val="0"/>
+              </a:spcBef>
+              <a:spcAft>
+                <a:spcPts val="0"/>
+              </a:spcAft>
+              <a:buSzPts val="1400"/>
+              <a:buFont typeface="Calibri"/>
+              <a:buChar char="❖"/>
+            </a:pPr>
+            <a:r>
+              <a:rPr lang="ro">
+                <a:latin typeface="Calibri"/>
+                <a:ea typeface="Calibri"/>
+                <a:cs typeface="Calibri"/>
+                <a:sym typeface="Calibri"/>
+              </a:rPr>
+              <a:t>Antrenarea datelor se realizează printr-o rețea neuronală proprie.</a:t>
+            </a:r>
+            <a:endParaRPr>
+              <a:latin typeface="Calibri"/>
+              <a:ea typeface="Calibri"/>
+              <a:cs typeface="Calibri"/>
+              <a:sym typeface="Calibri"/>
+            </a:endParaRPr>
+          </a:p>
+          <a:p>
+            <a:pPr indent="0" lvl="0" marL="457200" rtl="0" algn="l">
+              <a:spcBef>
+                <a:spcPts val="0"/>
+              </a:spcBef>
+              <a:spcAft>
+                <a:spcPts val="0"/>
               </a:spcAft>
               <a:buNone/>
             </a:pPr>
             <a:r>
               <a:t/>
             </a:r>
-            <a:endParaRPr/>
+            <a:endParaRPr>
+              <a:latin typeface="Calibri"/>
+              <a:ea typeface="Calibri"/>
+              <a:cs typeface="Calibri"/>
+              <a:sym typeface="Calibri"/>
+            </a:endParaRPr>
+          </a:p>
+          <a:p>
+            <a:pPr indent="-317500" lvl="0" marL="457200" rtl="0" algn="l">
+              <a:spcBef>
+                <a:spcPts val="0"/>
+              </a:spcBef>
+              <a:spcAft>
+                <a:spcPts val="0"/>
+              </a:spcAft>
+              <a:buSzPts val="1400"/>
+              <a:buFont typeface="Calibri"/>
+              <a:buChar char="❖"/>
+            </a:pPr>
+            <a:r>
+              <a:rPr lang="ro">
+                <a:latin typeface="Calibri"/>
+                <a:ea typeface="Calibri"/>
+                <a:cs typeface="Calibri"/>
+                <a:sym typeface="Calibri"/>
+              </a:rPr>
+              <a:t>Tehnologiile folosite în dezvoltare sunt Keras și Tensorflow.</a:t>
+            </a:r>
+            <a:endParaRPr>
+              <a:latin typeface="Calibri"/>
+              <a:ea typeface="Calibri"/>
+              <a:cs typeface="Calibri"/>
+              <a:sym typeface="Calibri"/>
+            </a:endParaRPr>
+          </a:p>
+          <a:p>
+            <a:pPr indent="0" lvl="0" marL="457200" rtl="0" algn="l">
+              <a:spcBef>
+                <a:spcPts val="0"/>
+              </a:spcBef>
+              <a:spcAft>
+                <a:spcPts val="0"/>
+              </a:spcAft>
+              <a:buNone/>
+            </a:pPr>
+            <a:r>
+              <a:t/>
+            </a:r>
+            <a:endParaRPr>
+              <a:latin typeface="Calibri"/>
+              <a:ea typeface="Calibri"/>
+              <a:cs typeface="Calibri"/>
+              <a:sym typeface="Calibri"/>
+            </a:endParaRPr>
+          </a:p>
+          <a:p>
+            <a:pPr indent="-317500" lvl="0" marL="457200" rtl="0" algn="l">
+              <a:spcBef>
+                <a:spcPts val="0"/>
+              </a:spcBef>
+              <a:spcAft>
+                <a:spcPts val="0"/>
+              </a:spcAft>
+              <a:buSzPts val="1400"/>
+              <a:buFont typeface="Calibri"/>
+              <a:buChar char="❖"/>
+            </a:pPr>
+            <a:r>
+              <a:rPr lang="ro">
+                <a:latin typeface="Calibri"/>
+                <a:ea typeface="Calibri"/>
+                <a:cs typeface="Calibri"/>
+                <a:sym typeface="Calibri"/>
+              </a:rPr>
+              <a:t>Antrenarea se realizează în 7 epoci, având date diferite de antrenare în funcție de metoda folosite pentru trăsături.</a:t>
+            </a:r>
+            <a:endParaRPr>
+              <a:latin typeface="Calibri"/>
+              <a:ea typeface="Calibri"/>
+              <a:cs typeface="Calibri"/>
+              <a:sym typeface="Calibri"/>
+            </a:endParaRPr>
           </a:p>
         </p:txBody>
       </p:sp>
@@ -10178,7 +10588,7 @@
   <p:cSld>
     <p:spTree>
       <p:nvGrpSpPr>
-        <p:cNvPr id="189" name="Shape 189"/>
+        <p:cNvPr id="195" name="Shape 195"/>
         <p:cNvGrpSpPr/>
         <p:nvPr/>
       </p:nvGrpSpPr>
@@ -10192,7 +10602,7 @@
       </p:grpSpPr>
       <p:sp>
         <p:nvSpPr>
-          <p:cNvPr id="190" name="Google Shape;190;p23"/>
+          <p:cNvPr id="196" name="Google Shape;196;p23"/>
           <p:cNvSpPr txBox="1"/>
           <p:nvPr>
             <p:ph type="title"/>
@@ -10200,7 +10610,7 @@
         </p:nvSpPr>
         <p:spPr>
           <a:xfrm>
-            <a:off x="819150" y="845600"/>
+            <a:off x="819150" y="806025"/>
             <a:ext cx="7505700" cy="954600"/>
           </a:xfrm>
           <a:prstGeom prst="rect">
@@ -10224,7 +10634,7 @@
             </a:pPr>
             <a:r>
               <a:rPr lang="ro"/>
-              <a:t>Concluzii</a:t>
+              <a:t>Google Cloud Vision</a:t>
             </a:r>
             <a:endParaRPr/>
           </a:p>
@@ -10232,7 +10642,7 @@
       </p:sp>
       <p:sp>
         <p:nvSpPr>
-          <p:cNvPr id="191" name="Google Shape;191;p23"/>
+          <p:cNvPr id="197" name="Google Shape;197;p23"/>
           <p:cNvSpPr txBox="1"/>
           <p:nvPr>
             <p:ph idx="1" type="body"/>
@@ -10253,17 +10663,53 @@
           </a:bodyPr>
           <a:lstStyle/>
           <a:p>
-            <a:pPr indent="0" lvl="0" marL="0" rtl="0" algn="l">
-              <a:spcBef>
-                <a:spcPts val="0"/>
-              </a:spcBef>
-              <a:spcAft>
-                <a:spcPts val="1600"/>
-              </a:spcAft>
-              <a:buNone/>
+            <a:pPr indent="-311150" lvl="0" marL="457200" rtl="0" algn="l">
+              <a:spcBef>
+                <a:spcPts val="0"/>
+              </a:spcBef>
+              <a:spcAft>
+                <a:spcPts val="0"/>
+              </a:spcAft>
+              <a:buSzPts val="1300"/>
+              <a:buChar char="❖"/>
             </a:pPr>
             <a:r>
-              <a:t/>
+              <a:rPr lang="ro"/>
+              <a:t>Este un API ce se bazează pe un model de învățare automată.</a:t>
+            </a:r>
+            <a:endParaRPr/>
+          </a:p>
+          <a:p>
+            <a:pPr indent="-311150" lvl="0" marL="457200" rtl="0" algn="l">
+              <a:spcBef>
+                <a:spcPts val="0"/>
+              </a:spcBef>
+              <a:spcAft>
+                <a:spcPts val="0"/>
+              </a:spcAft>
+              <a:buSzPts val="1300"/>
+              <a:buChar char="❖"/>
+            </a:pPr>
+            <a:r>
+              <a:rPr lang="ro"/>
+              <a:t>În cadrul aplicației se folosește ca și serviciu ce înlocuiește funcționalitatea rețelei neuronale.</a:t>
+            </a:r>
+            <a:endParaRPr/>
+          </a:p>
+          <a:p>
+            <a:pPr indent="-311150" lvl="0" marL="457200" rtl="0" algn="l">
+              <a:spcBef>
+                <a:spcPts val="0"/>
+              </a:spcBef>
+              <a:spcAft>
+                <a:spcPts val="0"/>
+              </a:spcAft>
+              <a:buSzPts val="1300"/>
+              <a:buChar char="❖"/>
+            </a:pPr>
+            <a:r>
+              <a:rPr lang="ro"/>
+              <a:t>API-ul folosește o rețea convuluțională în care fiecare neuron este conectat la un subset de neuroni ai fiecărui strat.</a:t>
             </a:r>
             <a:endParaRPr/>
           </a:p>
@@ -10271,7 +10717,7 @@
       </p:sp>
       <p:pic>
         <p:nvPicPr>
-          <p:cNvPr id="192" name="Google Shape;192;p23"/>
+          <p:cNvPr id="198" name="Google Shape;198;p23"/>
           <p:cNvPicPr preferRelativeResize="0"/>
           <p:nvPr/>
         </p:nvPicPr>
@@ -10285,8 +10731,8 @@
         </p:blipFill>
         <p:spPr>
           <a:xfrm>
-            <a:off x="2520838" y="2524150"/>
-            <a:ext cx="3667125" cy="1381125"/>
+            <a:off x="6965700" y="279275"/>
+            <a:ext cx="1826067" cy="526750"/>
           </a:xfrm>
           <a:prstGeom prst="rect">
             <a:avLst/>
@@ -10310,7 +10756,7 @@
   <p:cSld>
     <p:spTree>
       <p:nvGrpSpPr>
-        <p:cNvPr id="196" name="Shape 196"/>
+        <p:cNvPr id="202" name="Shape 202"/>
         <p:cNvGrpSpPr/>
         <p:nvPr/>
       </p:nvGrpSpPr>
@@ -10324,7 +10770,7 @@
       </p:grpSpPr>
       <p:sp>
         <p:nvSpPr>
-          <p:cNvPr id="197" name="Google Shape;197;p24"/>
+          <p:cNvPr id="203" name="Google Shape;203;p24"/>
           <p:cNvSpPr txBox="1"/>
           <p:nvPr>
             <p:ph type="title"/>
@@ -10356,7 +10802,7 @@
             </a:pPr>
             <a:r>
               <a:rPr lang="ro"/>
-              <a:t>Direcții viitoare</a:t>
+              <a:t>Concluzii</a:t>
             </a:r>
             <a:endParaRPr/>
           </a:p>
@@ -10364,7 +10810,7 @@
       </p:sp>
       <p:sp>
         <p:nvSpPr>
-          <p:cNvPr id="198" name="Google Shape;198;p24"/>
+          <p:cNvPr id="204" name="Google Shape;204;p24"/>
           <p:cNvSpPr txBox="1"/>
           <p:nvPr>
             <p:ph idx="1" type="body"/>
@@ -10396,6 +10842,157 @@
             </a:pPr>
             <a:r>
               <a:t/>
+            </a:r>
+            <a:endParaRPr/>
+          </a:p>
+        </p:txBody>
+      </p:sp>
+      <p:pic>
+        <p:nvPicPr>
+          <p:cNvPr id="205" name="Google Shape;205;p24"/>
+          <p:cNvPicPr preferRelativeResize="0"/>
+          <p:nvPr/>
+        </p:nvPicPr>
+        <p:blipFill>
+          <a:blip r:embed="rId3">
+            <a:alphaModFix/>
+          </a:blip>
+          <a:stretch>
+            <a:fillRect/>
+          </a:stretch>
+        </p:blipFill>
+        <p:spPr>
+          <a:xfrm>
+            <a:off x="2728900" y="2571738"/>
+            <a:ext cx="3686175" cy="1457325"/>
+          </a:xfrm>
+          <a:prstGeom prst="rect">
+            <a:avLst/>
+          </a:prstGeom>
+          <a:noFill/>
+          <a:ln>
+            <a:noFill/>
+          </a:ln>
+        </p:spPr>
+      </p:pic>
+    </p:spTree>
+  </p:cSld>
+  <p:clrMapOvr>
+    <a:masterClrMapping/>
+  </p:clrMapOvr>
+</p:sld>
+</file>
+
+<file path=ppt/slides/slide13.xml><?xml version="1.0" encoding="utf-8"?>
+<p:sld xmlns:a="http://schemas.openxmlformats.org/drawingml/2006/main" xmlns:r="http://schemas.openxmlformats.org/officeDocument/2006/relationships" xmlns:mc="http://schemas.openxmlformats.org/markup-compatibility/2006" xmlns:mv="urn:schemas-microsoft-com:mac:vml" xmlns:p="http://schemas.openxmlformats.org/presentationml/2006/main" xmlns:c="http://schemas.openxmlformats.org/drawingml/2006/chart" xmlns:dgm="http://schemas.openxmlformats.org/drawingml/2006/diagram" xmlns:o="urn:schemas-microsoft-com:office:office" xmlns:v="urn:schemas-microsoft-com:vml" xmlns:pvml="urn:schemas-microsoft-com:office:powerpoint" xmlns:com="http://schemas.openxmlformats.org/drawingml/2006/compatibility" xmlns:p14="http://schemas.microsoft.com/office/powerpoint/2010/main" xmlns:p15="http://schemas.microsoft.com/office/powerpoint/2012/main">
+  <p:cSld>
+    <p:spTree>
+      <p:nvGrpSpPr>
+        <p:cNvPr id="209" name="Shape 209"/>
+        <p:cNvGrpSpPr/>
+        <p:nvPr/>
+      </p:nvGrpSpPr>
+      <p:grpSpPr>
+        <a:xfrm>
+          <a:off x="0" y="0"/>
+          <a:ext cx="0" cy="0"/>
+          <a:chOff x="0" y="0"/>
+          <a:chExt cx="0" cy="0"/>
+        </a:xfrm>
+      </p:grpSpPr>
+      <p:sp>
+        <p:nvSpPr>
+          <p:cNvPr id="210" name="Google Shape;210;p25"/>
+          <p:cNvSpPr txBox="1"/>
+          <p:nvPr>
+            <p:ph type="title"/>
+          </p:nvPr>
+        </p:nvSpPr>
+        <p:spPr>
+          <a:xfrm>
+            <a:off x="819150" y="845600"/>
+            <a:ext cx="7505700" cy="954600"/>
+          </a:xfrm>
+          <a:prstGeom prst="rect">
+            <a:avLst/>
+          </a:prstGeom>
+        </p:spPr>
+        <p:txBody>
+          <a:bodyPr anchorCtr="0" anchor="t" bIns="91425" lIns="91425" spcFirstLastPara="1" rIns="91425" wrap="square" tIns="91425">
+            <a:noAutofit/>
+          </a:bodyPr>
+          <a:lstStyle/>
+          <a:p>
+            <a:pPr indent="0" lvl="0" marL="0" rtl="0" algn="l">
+              <a:spcBef>
+                <a:spcPts val="0"/>
+              </a:spcBef>
+              <a:spcAft>
+                <a:spcPts val="0"/>
+              </a:spcAft>
+              <a:buNone/>
+            </a:pPr>
+            <a:r>
+              <a:rPr lang="ro"/>
+              <a:t>Direcții viitoare</a:t>
+            </a:r>
+            <a:endParaRPr/>
+          </a:p>
+        </p:txBody>
+      </p:sp>
+      <p:sp>
+        <p:nvSpPr>
+          <p:cNvPr id="211" name="Google Shape;211;p25"/>
+          <p:cNvSpPr txBox="1"/>
+          <p:nvPr>
+            <p:ph idx="1" type="body"/>
+          </p:nvPr>
+        </p:nvSpPr>
+        <p:spPr>
+          <a:xfrm>
+            <a:off x="819150" y="1990725"/>
+            <a:ext cx="7505700" cy="2448000"/>
+          </a:xfrm>
+          <a:prstGeom prst="rect">
+            <a:avLst/>
+          </a:prstGeom>
+        </p:spPr>
+        <p:txBody>
+          <a:bodyPr anchorCtr="0" anchor="t" bIns="91425" lIns="91425" spcFirstLastPara="1" rIns="91425" wrap="square" tIns="91425">
+            <a:noAutofit/>
+          </a:bodyPr>
+          <a:lstStyle/>
+          <a:p>
+            <a:pPr indent="-311150" lvl="0" marL="457200" rtl="0" algn="l">
+              <a:spcBef>
+                <a:spcPts val="0"/>
+              </a:spcBef>
+              <a:spcAft>
+                <a:spcPts val="0"/>
+              </a:spcAft>
+              <a:buSzPts val="1300"/>
+              <a:buChar char="❖"/>
+            </a:pPr>
+            <a:r>
+              <a:rPr lang="ro"/>
+              <a:t>Creșterea numărului datelor de antrenament</a:t>
+            </a:r>
+            <a:endParaRPr/>
+          </a:p>
+          <a:p>
+            <a:pPr indent="-311150" lvl="0" marL="457200" rtl="0" algn="l">
+              <a:spcBef>
+                <a:spcPts val="0"/>
+              </a:spcBef>
+              <a:spcAft>
+                <a:spcPts val="0"/>
+              </a:spcAft>
+              <a:buSzPts val="1300"/>
+              <a:buChar char="❖"/>
+            </a:pPr>
+            <a:r>
+              <a:rPr lang="ro"/>
+              <a:t>Folosirea unui algoritm de tip KNN sau SVM</a:t>
             </a:r>
             <a:endParaRPr/>
           </a:p>
@@ -10414,7 +11011,7 @@
   <p:cSld>
     <p:spTree>
       <p:nvGrpSpPr>
-        <p:cNvPr id="133" name="Shape 133"/>
+        <p:cNvPr id="136" name="Shape 136"/>
         <p:cNvGrpSpPr/>
         <p:nvPr/>
       </p:nvGrpSpPr>
@@ -10428,7 +11025,7 @@
       </p:grpSpPr>
       <p:sp>
         <p:nvSpPr>
-          <p:cNvPr id="134" name="Google Shape;134;p14"/>
+          <p:cNvPr id="137" name="Google Shape;137;p14"/>
           <p:cNvSpPr txBox="1"/>
           <p:nvPr>
             <p:ph type="title"/>
@@ -10468,7 +11065,7 @@
       </p:sp>
       <p:sp>
         <p:nvSpPr>
-          <p:cNvPr id="135" name="Google Shape;135;p14"/>
+          <p:cNvPr id="138" name="Google Shape;138;p14"/>
           <p:cNvSpPr txBox="1"/>
           <p:nvPr>
             <p:ph idx="1" type="subTitle"/>
@@ -10507,7 +11104,7 @@
       </p:sp>
       <p:sp>
         <p:nvSpPr>
-          <p:cNvPr id="136" name="Google Shape;136;p14"/>
+          <p:cNvPr id="139" name="Google Shape;139;p14"/>
           <p:cNvSpPr txBox="1"/>
           <p:nvPr>
             <p:ph idx="2" type="body"/>
@@ -10540,7 +11137,7 @@
             </a:pPr>
             <a:r>
               <a:rPr lang="ro"/>
-              <a:t>Prezentarea generala</a:t>
+              <a:t>Prezentarea generală</a:t>
             </a:r>
             <a:endParaRPr/>
           </a:p>
@@ -10659,7 +11256,7 @@
   <p:cSld>
     <p:spTree>
       <p:nvGrpSpPr>
-        <p:cNvPr id="140" name="Shape 140"/>
+        <p:cNvPr id="143" name="Shape 143"/>
         <p:cNvGrpSpPr/>
         <p:nvPr/>
       </p:nvGrpSpPr>
@@ -10673,7 +11270,7 @@
       </p:grpSpPr>
       <p:sp>
         <p:nvSpPr>
-          <p:cNvPr id="141" name="Google Shape;141;p15"/>
+          <p:cNvPr id="144" name="Google Shape;144;p15"/>
           <p:cNvSpPr txBox="1"/>
           <p:nvPr>
             <p:ph type="title"/>
@@ -10713,7 +11310,7 @@
       </p:sp>
       <p:sp>
         <p:nvSpPr>
-          <p:cNvPr id="142" name="Google Shape;142;p15"/>
+          <p:cNvPr id="145" name="Google Shape;145;p15"/>
           <p:cNvSpPr txBox="1"/>
           <p:nvPr>
             <p:ph idx="1" type="body"/>
@@ -10721,7 +11318,7 @@
         </p:nvSpPr>
         <p:spPr>
           <a:xfrm>
-            <a:off x="819150" y="1990725"/>
+            <a:off x="398689" y="2015162"/>
             <a:ext cx="7505700" cy="2448000"/>
           </a:xfrm>
           <a:prstGeom prst="rect">
@@ -10763,7 +11360,7 @@
             </a:pPr>
             <a:r>
               <a:rPr lang="ro"/>
-              <a:t>Nevoia unui OCR  în cadrul cursurilor/ laboratoarelor</a:t>
+              <a:t>Nevoia unui OCR  în cadrul cursurilor/ laboratoarelor ce vine în sprijinul studenților și profesorilor.</a:t>
             </a:r>
             <a:endParaRPr/>
           </a:p>
@@ -10780,7 +11377,7 @@
             </a:pPr>
             <a:r>
               <a:rPr lang="ro"/>
-              <a:t>Aplicație ce vine în ajutorul profesorilor și studenților.</a:t>
+              <a:t>Se propune implementarea unui sistem capabil să gestioneze punctajele și prezențele folosind un OCR propriu prin comparație cu API-ul pus la dispoziție de către Google.</a:t>
             </a:r>
             <a:endParaRPr/>
           </a:p>
@@ -10797,24 +11394,30 @@
             </a:pPr>
             <a:r>
               <a:rPr lang="ro"/>
-              <a:t>Implementarea unui software capabil să identifice numele și punctajele dintr-o foaie de prezență.</a:t>
+              <a:t>Oferirea unor statistici pentru studenți în c</a:t>
+            </a:r>
+            <a:r>
+              <a:rPr lang="ro"/>
+              <a:t>are se reține ge</a:t>
+            </a:r>
+            <a:r>
+              <a:rPr lang="ro"/>
+              <a:t>stiunea prezențelor și punctelor.</a:t>
             </a:r>
             <a:endParaRPr/>
           </a:p>
           <a:p>
-            <a:pPr indent="-311150" lvl="0" marL="457200" rtl="0" algn="l">
-              <a:spcBef>
-                <a:spcPts val="0"/>
-              </a:spcBef>
-              <a:spcAft>
-                <a:spcPts val="0"/>
-              </a:spcAft>
-              <a:buSzPts val="1300"/>
-              <a:buChar char="❖"/>
+            <a:pPr indent="0" lvl="0" marL="457200" rtl="0" algn="l">
+              <a:spcBef>
+                <a:spcPts val="1600"/>
+              </a:spcBef>
+              <a:spcAft>
+                <a:spcPts val="1600"/>
+              </a:spcAft>
+              <a:buNone/>
             </a:pPr>
             <a:r>
-              <a:rPr lang="ro"/>
-              <a:t>Oferirea unor statistici pentru studenți în legătură cu punctajele acestora.</a:t>
+              <a:t/>
             </a:r>
             <a:endParaRPr/>
           </a:p>
@@ -10833,7 +11436,7 @@
   <p:cSld>
     <p:spTree>
       <p:nvGrpSpPr>
-        <p:cNvPr id="146" name="Shape 146"/>
+        <p:cNvPr id="149" name="Shape 149"/>
         <p:cNvGrpSpPr/>
         <p:nvPr/>
       </p:nvGrpSpPr>
@@ -10847,7 +11450,7 @@
       </p:grpSpPr>
       <p:sp>
         <p:nvSpPr>
-          <p:cNvPr id="147" name="Google Shape;147;p16"/>
+          <p:cNvPr id="150" name="Google Shape;150;p16"/>
           <p:cNvSpPr txBox="1"/>
           <p:nvPr>
             <p:ph type="title"/>
@@ -10887,7 +11490,7 @@
       </p:sp>
       <p:sp>
         <p:nvSpPr>
-          <p:cNvPr id="148" name="Google Shape;148;p16"/>
+          <p:cNvPr id="151" name="Google Shape;151;p16"/>
           <p:cNvSpPr txBox="1"/>
           <p:nvPr>
             <p:ph idx="1" type="body"/>
@@ -10926,7 +11529,7 @@
       </p:sp>
       <p:pic>
         <p:nvPicPr>
-          <p:cNvPr id="149" name="Google Shape;149;p16"/>
+          <p:cNvPr id="152" name="Google Shape;152;p16"/>
           <p:cNvPicPr preferRelativeResize="0"/>
           <p:nvPr/>
         </p:nvPicPr>
@@ -10940,8 +11543,8 @@
         </p:blipFill>
         <p:spPr>
           <a:xfrm>
-            <a:off x="762000" y="1990725"/>
-            <a:ext cx="7620000" cy="2800350"/>
+            <a:off x="776275" y="1676150"/>
+            <a:ext cx="7591425" cy="2924175"/>
           </a:xfrm>
           <a:prstGeom prst="rect">
             <a:avLst/>
@@ -10965,7 +11568,7 @@
   <p:cSld>
     <p:spTree>
       <p:nvGrpSpPr>
-        <p:cNvPr id="153" name="Shape 153"/>
+        <p:cNvPr id="156" name="Shape 156"/>
         <p:cNvGrpSpPr/>
         <p:nvPr/>
       </p:nvGrpSpPr>
@@ -10979,7 +11582,7 @@
       </p:grpSpPr>
       <p:sp>
         <p:nvSpPr>
-          <p:cNvPr id="154" name="Google Shape;154;p17"/>
+          <p:cNvPr id="157" name="Google Shape;157;p17"/>
           <p:cNvSpPr txBox="1"/>
           <p:nvPr>
             <p:ph type="title"/>
@@ -11019,7 +11622,7 @@
       </p:sp>
       <p:sp>
         <p:nvSpPr>
-          <p:cNvPr id="155" name="Google Shape;155;p17"/>
+          <p:cNvPr id="158" name="Google Shape;158;p17"/>
           <p:cNvSpPr txBox="1"/>
           <p:nvPr>
             <p:ph idx="1" type="body"/>
@@ -11052,7 +11655,7 @@
             </a:pPr>
             <a:r>
               <a:rPr lang="ro"/>
-              <a:t>Aplicație de tip REST</a:t>
+              <a:t>Arhitecură sistemului este una de tip REST.</a:t>
             </a:r>
             <a:endParaRPr/>
           </a:p>
@@ -11069,7 +11672,7 @@
             </a:pPr>
             <a:r>
               <a:rPr lang="ro"/>
-              <a:t>Compusă din 4 module</a:t>
+              <a:t>Sistemul este compus din trei module ce comunică prin endpoint-uri și o bază de date.</a:t>
             </a:r>
             <a:endParaRPr/>
           </a:p>
@@ -11086,7 +11689,7 @@
             </a:pPr>
             <a:r>
               <a:rPr lang="ro"/>
-              <a:t>Folosește un client responsive în Reactjs</a:t>
+              <a:t>Se folosește framework-ul Reactjs pentru dezvoltarea clientului.</a:t>
             </a:r>
             <a:endParaRPr/>
           </a:p>
@@ -11103,7 +11706,7 @@
             </a:pPr>
             <a:r>
               <a:rPr lang="ro"/>
-              <a:t>Folosește servlete Tomcat </a:t>
+              <a:t>Modulul ce gestionează preprocesarea și segmentarea folosește servlete de tip Tomcat.</a:t>
             </a:r>
             <a:endParaRPr/>
           </a:p>
@@ -11120,7 +11723,11 @@
             </a:pPr>
             <a:r>
               <a:rPr lang="ro"/>
-              <a:t>Modul în care este reținut o rețea în Flask Python</a:t>
+              <a:t>Modulul ce gestionaeză rețeaua neuronală proprie sau f</a:t>
+            </a:r>
+            <a:r>
+              <a:rPr lang="ro"/>
+              <a:t>olosește Google Vision folosește un server Flask.</a:t>
             </a:r>
             <a:endParaRPr/>
           </a:p>
@@ -11137,7 +11744,11 @@
             </a:pPr>
             <a:r>
               <a:rPr lang="ro"/>
-              <a:t>Baze de date de tip obiect - ObjectDB</a:t>
+              <a:t>Baze de date de</a:t>
+            </a:r>
+            <a:r>
+              <a:rPr lang="ro"/>
+              <a:t> este ce folosește ObjectDB este una obiectuală special concepută pentru Java.</a:t>
             </a:r>
             <a:endParaRPr/>
           </a:p>
@@ -11156,7 +11767,7 @@
   <p:cSld>
     <p:spTree>
       <p:nvGrpSpPr>
-        <p:cNvPr id="159" name="Shape 159"/>
+        <p:cNvPr id="162" name="Shape 162"/>
         <p:cNvGrpSpPr/>
         <p:nvPr/>
       </p:nvGrpSpPr>
@@ -11170,7 +11781,7 @@
       </p:grpSpPr>
       <p:sp>
         <p:nvSpPr>
-          <p:cNvPr id="160" name="Google Shape;160;p18"/>
+          <p:cNvPr id="163" name="Google Shape;163;p18"/>
           <p:cNvSpPr txBox="1"/>
           <p:nvPr>
             <p:ph type="title"/>
@@ -11178,7 +11789,7 @@
         </p:nvSpPr>
         <p:spPr>
           <a:xfrm>
-            <a:off x="819150" y="845600"/>
+            <a:off x="819150" y="491850"/>
             <a:ext cx="7505700" cy="954600"/>
           </a:xfrm>
           <a:prstGeom prst="rect">
@@ -11208,9 +11819,65 @@
           </a:p>
         </p:txBody>
       </p:sp>
+      <p:pic>
+        <p:nvPicPr>
+          <p:cNvPr id="164" name="Google Shape;164;p18"/>
+          <p:cNvPicPr preferRelativeResize="0"/>
+          <p:nvPr/>
+        </p:nvPicPr>
+        <p:blipFill>
+          <a:blip r:embed="rId3">
+            <a:alphaModFix/>
+          </a:blip>
+          <a:stretch>
+            <a:fillRect/>
+          </a:stretch>
+        </p:blipFill>
+        <p:spPr>
+          <a:xfrm>
+            <a:off x="1576900" y="1924975"/>
+            <a:ext cx="2151650" cy="3028325"/>
+          </a:xfrm>
+          <a:prstGeom prst="rect">
+            <a:avLst/>
+          </a:prstGeom>
+          <a:noFill/>
+          <a:ln>
+            <a:noFill/>
+          </a:ln>
+        </p:spPr>
+      </p:pic>
+      <p:pic>
+        <p:nvPicPr>
+          <p:cNvPr id="165" name="Google Shape;165;p18"/>
+          <p:cNvPicPr preferRelativeResize="0"/>
+          <p:nvPr/>
+        </p:nvPicPr>
+        <p:blipFill>
+          <a:blip r:embed="rId4">
+            <a:alphaModFix/>
+          </a:blip>
+          <a:stretch>
+            <a:fillRect/>
+          </a:stretch>
+        </p:blipFill>
+        <p:spPr>
+          <a:xfrm>
+            <a:off x="5529350" y="2177975"/>
+            <a:ext cx="2004275" cy="2593773"/>
+          </a:xfrm>
+          <a:prstGeom prst="rect">
+            <a:avLst/>
+          </a:prstGeom>
+          <a:noFill/>
+          <a:ln>
+            <a:noFill/>
+          </a:ln>
+        </p:spPr>
+      </p:pic>
       <p:sp>
         <p:nvSpPr>
-          <p:cNvPr id="161" name="Google Shape;161;p18"/>
+          <p:cNvPr id="166" name="Google Shape;166;p18"/>
           <p:cNvSpPr txBox="1"/>
           <p:nvPr>
             <p:ph idx="1" type="body"/>
@@ -11218,8 +11885,8 @@
         </p:nvSpPr>
         <p:spPr>
           <a:xfrm>
-            <a:off x="819150" y="1990725"/>
-            <a:ext cx="7505700" cy="2448000"/>
+            <a:off x="876525" y="1127625"/>
+            <a:ext cx="7505700" cy="1090500"/>
           </a:xfrm>
           <a:prstGeom prst="rect">
             <a:avLst/>
@@ -11243,7 +11910,7 @@
             </a:pPr>
             <a:r>
               <a:rPr lang="ro"/>
-              <a:t>Se folosește o librărie de preluccrare a imaginiilor - OpenCV</a:t>
+              <a:t>Se obține imaginea trimisă de frontend.</a:t>
             </a:r>
             <a:endParaRPr/>
           </a:p>
@@ -11260,7 +11927,7 @@
             </a:pPr>
             <a:r>
               <a:rPr lang="ro"/>
-              <a:t>Obținerea imaginei din modulul frontend</a:t>
+              <a:t>Operațiile aplicate pe imagine sunt realizate cu ajutorul librăriei OpenCV.</a:t>
             </a:r>
             <a:endParaRPr/>
           </a:p>
@@ -11277,7 +11944,7 @@
             </a:pPr>
             <a:r>
               <a:rPr lang="ro"/>
-              <a:t>Reducerea zgomotelor din cadrul întregii foi de prezență</a:t>
+              <a:t>Se reduce zgomotul din cadrul imaginei.</a:t>
             </a:r>
             <a:endParaRPr/>
           </a:p>
@@ -11294,12 +11961,12 @@
             </a:pPr>
             <a:r>
               <a:rPr lang="ro"/>
-              <a:t>Identificarea liniilor din foaia de prezență ce are formă tabelară.</a:t>
+              <a:t>Se identifică pe rand liniile și mai apoi fiecare caracter cu ajutorul structueii tabelare a paginei.</a:t>
             </a:r>
             <a:endParaRPr/>
           </a:p>
           <a:p>
-            <a:pPr indent="0" lvl="0" marL="457200" rtl="0" algn="l">
+            <a:pPr indent="0" lvl="0" marL="0" rtl="0" algn="l">
               <a:spcBef>
                 <a:spcPts val="1600"/>
               </a:spcBef>
@@ -11328,7 +11995,7 @@
   <p:cSld>
     <p:spTree>
       <p:nvGrpSpPr>
-        <p:cNvPr id="165" name="Shape 165"/>
+        <p:cNvPr id="170" name="Shape 170"/>
         <p:cNvGrpSpPr/>
         <p:nvPr/>
       </p:nvGrpSpPr>
@@ -11342,7 +12009,7 @@
       </p:grpSpPr>
       <p:sp>
         <p:nvSpPr>
-          <p:cNvPr id="166" name="Google Shape;166;p19"/>
+          <p:cNvPr id="171" name="Google Shape;171;p19"/>
           <p:cNvSpPr txBox="1"/>
           <p:nvPr>
             <p:ph type="title"/>
@@ -11374,7 +12041,7 @@
             </a:pPr>
             <a:r>
               <a:rPr lang="ro"/>
-              <a:t>Discrete cosine transform</a:t>
+              <a:t>Extragerea trăsăturilor</a:t>
             </a:r>
             <a:endParaRPr/>
           </a:p>
@@ -11382,7 +12049,7 @@
       </p:sp>
       <p:sp>
         <p:nvSpPr>
-          <p:cNvPr id="167" name="Google Shape;167;p19"/>
+          <p:cNvPr id="172" name="Google Shape;172;p19"/>
           <p:cNvSpPr txBox="1"/>
           <p:nvPr>
             <p:ph idx="1" type="body"/>
@@ -11415,7 +12082,7 @@
             </a:pPr>
             <a:r>
               <a:rPr lang="ro"/>
-              <a:t>Algoritm de extragere de trăsături din cadrul unei imagini.</a:t>
+              <a:t>Procedeu prin care se extrag trăsăturile reprezentative dintr-o imagine.</a:t>
             </a:r>
             <a:endParaRPr/>
           </a:p>
@@ -11432,7 +12099,7 @@
             </a:pPr>
             <a:r>
               <a:rPr lang="ro"/>
-              <a:t>Folosit pentru transformarea blocurilor din domeniul spatiale în blocuri din domeniul frecvențial.</a:t>
+              <a:t>Trăsăturile sunt folosite în cadrul rețelei neuronale proprii pentru clasificare.</a:t>
             </a:r>
             <a:endParaRPr/>
           </a:p>
@@ -11449,23 +12116,19 @@
             </a:pPr>
             <a:r>
               <a:rPr lang="ro"/>
-              <a:t>Acesta funcționează prin separarea imaginei în diferite părți de frecvență</a:t>
+              <a:t>Se folosesc transformările </a:t>
             </a:r>
-            <a:endParaRPr/>
-          </a:p>
-          <a:p>
-            <a:pPr indent="-311150" lvl="0" marL="457200" rtl="0" algn="l">
-              <a:spcBef>
-                <a:spcPts val="0"/>
-              </a:spcBef>
-              <a:spcAft>
-                <a:spcPts val="0"/>
-              </a:spcAft>
-              <a:buSzPts val="1300"/>
-              <a:buChar char="❖"/>
-            </a:pPr>
             <a:r>
-              <a:t/>
+              <a:rPr lang="ro" sz="1100">
+                <a:solidFill>
+                  <a:srgbClr val="000000"/>
+                </a:solidFill>
+                <a:latin typeface="Arial"/>
+                <a:ea typeface="Arial"/>
+                <a:cs typeface="Arial"/>
+                <a:sym typeface="Arial"/>
+              </a:rPr>
+              <a:t>fourier și wavelet.</a:t>
             </a:r>
             <a:endParaRPr/>
           </a:p>
@@ -11484,7 +12147,7 @@
   <p:cSld>
     <p:spTree>
       <p:nvGrpSpPr>
-        <p:cNvPr id="171" name="Shape 171"/>
+        <p:cNvPr id="176" name="Shape 176"/>
         <p:cNvGrpSpPr/>
         <p:nvPr/>
       </p:nvGrpSpPr>
@@ -11498,7 +12161,7 @@
       </p:grpSpPr>
       <p:sp>
         <p:nvSpPr>
-          <p:cNvPr id="172" name="Google Shape;172;p20"/>
+          <p:cNvPr id="177" name="Google Shape;177;p20"/>
           <p:cNvSpPr txBox="1"/>
           <p:nvPr>
             <p:ph type="title"/>
@@ -11530,7 +12193,7 @@
             </a:pPr>
             <a:r>
               <a:rPr lang="ro"/>
-              <a:t>Haar wavelet</a:t>
+              <a:t>Discrete cosine transform</a:t>
             </a:r>
             <a:endParaRPr/>
           </a:p>
@@ -11538,7 +12201,7 @@
       </p:sp>
       <p:sp>
         <p:nvSpPr>
-          <p:cNvPr id="173" name="Google Shape;173;p20"/>
+          <p:cNvPr id="178" name="Google Shape;178;p20"/>
           <p:cNvSpPr txBox="1"/>
           <p:nvPr>
             <p:ph idx="1" type="body"/>
@@ -11546,7 +12209,7 @@
         </p:nvSpPr>
         <p:spPr>
           <a:xfrm>
-            <a:off x="819150" y="1990725"/>
+            <a:off x="819150" y="1535725"/>
             <a:ext cx="7505700" cy="2448000"/>
           </a:xfrm>
           <a:prstGeom prst="rect">
@@ -11564,12 +12227,80 @@
                 <a:spcPts val="0"/>
               </a:spcBef>
               <a:spcAft>
-                <a:spcPts val="1600"/>
+                <a:spcPts val="0"/>
               </a:spcAft>
               <a:buNone/>
             </a:pPr>
             <a:r>
               <a:t/>
+            </a:r>
+            <a:endParaRPr/>
+          </a:p>
+          <a:p>
+            <a:pPr indent="-311150" lvl="0" marL="457200" rtl="0" algn="l">
+              <a:spcBef>
+                <a:spcPts val="1600"/>
+              </a:spcBef>
+              <a:spcAft>
+                <a:spcPts val="0"/>
+              </a:spcAft>
+              <a:buSzPts val="1300"/>
+              <a:buChar char="❖"/>
+            </a:pPr>
+            <a:r>
+              <a:rPr lang="ro"/>
+              <a:t>Folosit pentru transformarea blocurilor din domeniul spatiale în blocuri din domeniul frecvențial.</a:t>
+            </a:r>
+            <a:endParaRPr/>
+          </a:p>
+          <a:p>
+            <a:pPr indent="-311150" lvl="0" marL="457200" rtl="0" algn="l">
+              <a:spcBef>
+                <a:spcPts val="0"/>
+              </a:spcBef>
+              <a:spcAft>
+                <a:spcPts val="0"/>
+              </a:spcAft>
+              <a:buSzPts val="1300"/>
+              <a:buChar char="❖"/>
+            </a:pPr>
+            <a:r>
+              <a:rPr lang="ro"/>
+              <a:t>Algoritm de compresie cu pierdere de informație.</a:t>
+            </a:r>
+            <a:endParaRPr/>
+          </a:p>
+          <a:p>
+            <a:pPr indent="-311150" lvl="0" marL="457200" rtl="0" algn="l">
+              <a:spcBef>
+                <a:spcPts val="0"/>
+              </a:spcBef>
+              <a:spcAft>
+                <a:spcPts val="0"/>
+              </a:spcAft>
+              <a:buSzPts val="1300"/>
+              <a:buChar char="❖"/>
+            </a:pPr>
+            <a:r>
+              <a:rPr lang="ro"/>
+              <a:t>Clasterizează cele mai ridicate valori  ce rezultă în urma compresiei în colțul stanga sus a imaginei.</a:t>
+            </a:r>
+            <a:endParaRPr/>
+          </a:p>
+          <a:p>
+            <a:pPr indent="-311150" lvl="0" marL="457200" rtl="0" algn="l">
+              <a:spcBef>
+                <a:spcPts val="0"/>
+              </a:spcBef>
+              <a:spcAft>
+                <a:spcPts val="0"/>
+              </a:spcAft>
+              <a:buSzPts val="1300"/>
+              <a:buChar char="❖"/>
+            </a:pPr>
+            <a:r>
+              <a:rPr lang="ro"/>
+              <a:t>Analizează frecvențele valorilor originale a fiecărui pixel printr-o serie de funcții cosinus oscilând la diferite frecvențe și amplitudini.</a:t>
             </a:r>
             <a:endParaRPr/>
           </a:p>
@@ -11588,7 +12319,7 @@
   <p:cSld>
     <p:spTree>
       <p:nvGrpSpPr>
-        <p:cNvPr id="177" name="Shape 177"/>
+        <p:cNvPr id="182" name="Shape 182"/>
         <p:cNvGrpSpPr/>
         <p:nvPr/>
       </p:nvGrpSpPr>
@@ -11602,7 +12333,7 @@
       </p:grpSpPr>
       <p:sp>
         <p:nvSpPr>
-          <p:cNvPr id="178" name="Google Shape;178;p21"/>
+          <p:cNvPr id="183" name="Google Shape;183;p21"/>
           <p:cNvSpPr txBox="1"/>
           <p:nvPr>
             <p:ph type="title"/>
@@ -11634,7 +12365,7 @@
             </a:pPr>
             <a:r>
               <a:rPr lang="ro"/>
-              <a:t>Antrenarea datelor</a:t>
+              <a:t>Haar wavelet</a:t>
             </a:r>
             <a:endParaRPr/>
           </a:p>
@@ -11642,7 +12373,7 @@
       </p:sp>
       <p:sp>
         <p:nvSpPr>
-          <p:cNvPr id="179" name="Google Shape;179;p21"/>
+          <p:cNvPr id="184" name="Google Shape;184;p21"/>
           <p:cNvSpPr txBox="1"/>
           <p:nvPr>
             <p:ph idx="1" type="body"/>
@@ -11663,9 +12394,43 @@
           </a:bodyPr>
           <a:lstStyle/>
           <a:p>
-            <a:pPr indent="0" lvl="0" marL="0" rtl="0" algn="l">
-              <a:spcBef>
-                <a:spcPts val="0"/>
+            <a:pPr indent="-311150" lvl="0" marL="457200" rtl="0" algn="l">
+              <a:spcBef>
+                <a:spcPts val="0"/>
+              </a:spcBef>
+              <a:spcAft>
+                <a:spcPts val="0"/>
+              </a:spcAft>
+              <a:buSzPts val="1300"/>
+              <a:buChar char="❖"/>
+            </a:pPr>
+            <a:r>
+              <a:rPr lang="ro"/>
+              <a:t>Se folosește în extragerea de caracteristici, codare de imagini și în aplicații de analiza a imaginilor.</a:t>
+            </a:r>
+            <a:endParaRPr/>
+          </a:p>
+          <a:p>
+            <a:pPr indent="-311150" lvl="0" marL="457200" rtl="0" algn="l">
+              <a:spcBef>
+                <a:spcPts val="0"/>
+              </a:spcBef>
+              <a:spcAft>
+                <a:spcPts val="0"/>
+              </a:spcAft>
+              <a:buSzPts val="1300"/>
+              <a:buChar char="❖"/>
+            </a:pPr>
+            <a:r>
+              <a:rPr lang="ro"/>
+              <a:t>Este o altă modalitate de compactare a imaginilor.</a:t>
+            </a:r>
+            <a:endParaRPr/>
+          </a:p>
+          <a:p>
+            <a:pPr indent="0" lvl="0" marL="457200" rtl="0" algn="l">
+              <a:spcBef>
+                <a:spcPts val="1600"/>
               </a:spcBef>
               <a:spcAft>
                 <a:spcPts val="1600"/>
